--- a/docs/diagrams/ModelComponentClassDiagram.pptx
+++ b/docs/diagrams/ModelComponentClassDiagram.pptx
@@ -208,7 +208,7 @@
           <a:p>
             <a:fld id="{F5CC4B3F-88C1-4FFA-B1B6-F41C21DC6924}" type="datetimeFigureOut">
               <a:rPr lang="en-US" smtClean="0"/>
-              <a:t>12/5/2018</a:t>
+              <a:t>4/14/2019</a:t>
             </a:fld>
             <a:endParaRPr lang="en-US"/>
           </a:p>
@@ -654,7 +654,7 @@
           <a:p>
             <a:fld id="{78C97017-6FC3-485B-9764-EAC9E56C1D49}" type="datetimeFigureOut">
               <a:rPr lang="en-US" smtClean="0"/>
-              <a:t>12/5/2018</a:t>
+              <a:t>4/14/2019</a:t>
             </a:fld>
             <a:endParaRPr lang="en-US"/>
           </a:p>
@@ -822,7 +822,7 @@
           <a:p>
             <a:fld id="{78C97017-6FC3-485B-9764-EAC9E56C1D49}" type="datetimeFigureOut">
               <a:rPr lang="en-US" smtClean="0"/>
-              <a:t>12/5/2018</a:t>
+              <a:t>4/14/2019</a:t>
             </a:fld>
             <a:endParaRPr lang="en-US"/>
           </a:p>
@@ -1000,7 +1000,7 @@
           <a:p>
             <a:fld id="{78C97017-6FC3-485B-9764-EAC9E56C1D49}" type="datetimeFigureOut">
               <a:rPr lang="en-US" smtClean="0"/>
-              <a:t>12/5/2018</a:t>
+              <a:t>4/14/2019</a:t>
             </a:fld>
             <a:endParaRPr lang="en-US"/>
           </a:p>
@@ -1168,7 +1168,7 @@
           <a:p>
             <a:fld id="{78C97017-6FC3-485B-9764-EAC9E56C1D49}" type="datetimeFigureOut">
               <a:rPr lang="en-US" smtClean="0"/>
-              <a:t>12/5/2018</a:t>
+              <a:t>4/14/2019</a:t>
             </a:fld>
             <a:endParaRPr lang="en-US"/>
           </a:p>
@@ -1413,7 +1413,7 @@
           <a:p>
             <a:fld id="{78C97017-6FC3-485B-9764-EAC9E56C1D49}" type="datetimeFigureOut">
               <a:rPr lang="en-US" smtClean="0"/>
-              <a:t>12/5/2018</a:t>
+              <a:t>4/14/2019</a:t>
             </a:fld>
             <a:endParaRPr lang="en-US"/>
           </a:p>
@@ -1698,7 +1698,7 @@
           <a:p>
             <a:fld id="{78C97017-6FC3-485B-9764-EAC9E56C1D49}" type="datetimeFigureOut">
               <a:rPr lang="en-US" smtClean="0"/>
-              <a:t>12/5/2018</a:t>
+              <a:t>4/14/2019</a:t>
             </a:fld>
             <a:endParaRPr lang="en-US"/>
           </a:p>
@@ -2117,7 +2117,7 @@
           <a:p>
             <a:fld id="{78C97017-6FC3-485B-9764-EAC9E56C1D49}" type="datetimeFigureOut">
               <a:rPr lang="en-US" smtClean="0"/>
-              <a:t>12/5/2018</a:t>
+              <a:t>4/14/2019</a:t>
             </a:fld>
             <a:endParaRPr lang="en-US"/>
           </a:p>
@@ -2234,7 +2234,7 @@
           <a:p>
             <a:fld id="{78C97017-6FC3-485B-9764-EAC9E56C1D49}" type="datetimeFigureOut">
               <a:rPr lang="en-US" smtClean="0"/>
-              <a:t>12/5/2018</a:t>
+              <a:t>4/14/2019</a:t>
             </a:fld>
             <a:endParaRPr lang="en-US"/>
           </a:p>
@@ -2329,7 +2329,7 @@
           <a:p>
             <a:fld id="{78C97017-6FC3-485B-9764-EAC9E56C1D49}" type="datetimeFigureOut">
               <a:rPr lang="en-US" smtClean="0"/>
-              <a:t>12/5/2018</a:t>
+              <a:t>4/14/2019</a:t>
             </a:fld>
             <a:endParaRPr lang="en-US"/>
           </a:p>
@@ -2604,7 +2604,7 @@
           <a:p>
             <a:fld id="{78C97017-6FC3-485B-9764-EAC9E56C1D49}" type="datetimeFigureOut">
               <a:rPr lang="en-US" smtClean="0"/>
-              <a:t>12/5/2018</a:t>
+              <a:t>4/14/2019</a:t>
             </a:fld>
             <a:endParaRPr lang="en-US"/>
           </a:p>
@@ -2856,7 +2856,7 @@
           <a:p>
             <a:fld id="{78C97017-6FC3-485B-9764-EAC9E56C1D49}" type="datetimeFigureOut">
               <a:rPr lang="en-US" smtClean="0"/>
-              <a:t>12/5/2018</a:t>
+              <a:t>4/14/2019</a:t>
             </a:fld>
             <a:endParaRPr lang="en-US"/>
           </a:p>
@@ -3067,7 +3067,7 @@
           <a:p>
             <a:fld id="{78C97017-6FC3-485B-9764-EAC9E56C1D49}" type="datetimeFigureOut">
               <a:rPr lang="en-US" smtClean="0"/>
-              <a:t>12/5/2018</a:t>
+              <a:t>4/14/2019</a:t>
             </a:fld>
             <a:endParaRPr lang="en-US"/>
           </a:p>
@@ -3992,14 +3992,14 @@
           <a:p>
             <a:pPr algn="ctr"/>
             <a:r>
-              <a:rPr lang="en-US" sz="1050" dirty="0" err="1">
+              <a:rPr lang="en-US" sz="1000" dirty="0" err="1">
                 <a:solidFill>
                   <a:srgbClr val="7030A0"/>
                 </a:solidFill>
               </a:rPr>
-              <a:t>VersionedAddressBook</a:t>
-            </a:r>
-            <a:endParaRPr lang="en-SG" sz="1050" dirty="0">
+              <a:t>VersionedFashionMatch</a:t>
+            </a:r>
+            <a:endParaRPr lang="en-SG" sz="1000" dirty="0">
               <a:solidFill>
                 <a:srgbClr val="7030A0"/>
               </a:solidFill>
@@ -4134,14 +4134,14 @@
           <a:p>
             <a:pPr algn="ctr"/>
             <a:r>
-              <a:rPr lang="en-US" sz="1050" dirty="0" err="1">
+              <a:rPr lang="en-US" sz="1000" dirty="0" err="1">
                 <a:solidFill>
                   <a:srgbClr val="7030A0"/>
                 </a:solidFill>
               </a:rPr>
-              <a:t>UniquePersonList</a:t>
-            </a:r>
-            <a:endParaRPr lang="en-SG" sz="1050" dirty="0">
+              <a:t>UniqueApparelList</a:t>
+            </a:r>
+            <a:endParaRPr lang="en-SG" sz="1000" dirty="0">
               <a:solidFill>
                 <a:srgbClr val="7030A0"/>
               </a:solidFill>
@@ -4242,7 +4242,7 @@
                   <a:srgbClr val="7030A0"/>
                 </a:solidFill>
               </a:rPr>
-              <a:t>Person</a:t>
+              <a:t>Apparel</a:t>
             </a:r>
             <a:endParaRPr lang="en-SG" sz="1050" dirty="0">
               <a:solidFill>
@@ -4527,7 +4527,7 @@
                   <a:srgbClr val="7030A0"/>
                 </a:solidFill>
               </a:rPr>
-              <a:t>Phone</a:t>
+              <a:t>Color</a:t>
             </a:r>
             <a:endParaRPr lang="en-SG" sz="1050" dirty="0">
               <a:solidFill>
@@ -4624,7 +4624,7 @@
                   <a:srgbClr val="7030A0"/>
                 </a:solidFill>
               </a:rPr>
-              <a:t>Email</a:t>
+              <a:t>Type</a:t>
             </a:r>
             <a:endParaRPr lang="en-SG" sz="1050" dirty="0">
               <a:solidFill>
@@ -4647,103 +4647,6 @@
           <a:xfrm>
             <a:off x="7277995" y="3034891"/>
             <a:ext cx="434402" cy="318195"/>
-          </a:xfrm>
-          <a:prstGeom prst="bentConnector3">
-            <a:avLst/>
-          </a:prstGeom>
-          <a:ln w="19050">
-            <a:solidFill>
-              <a:srgbClr val="7030A0"/>
-            </a:solidFill>
-            <a:headEnd type="none" w="med" len="med"/>
-            <a:tailEnd type="arrow" w="med" len="med"/>
-          </a:ln>
-          <a:effectLst/>
-        </p:spPr>
-        <p:style>
-          <a:lnRef idx="1">
-            <a:schemeClr val="accent2"/>
-          </a:lnRef>
-          <a:fillRef idx="2">
-            <a:schemeClr val="accent2"/>
-          </a:fillRef>
-          <a:effectRef idx="1">
-            <a:schemeClr val="accent2"/>
-          </a:effectRef>
-          <a:fontRef idx="minor">
-            <a:schemeClr val="dk1"/>
-          </a:fontRef>
-        </p:style>
-      </p:cxnSp>
-      <p:sp>
-        <p:nvSpPr>
-          <p:cNvPr id="85" name="Rectangle 8"/>
-          <p:cNvSpPr/>
-          <p:nvPr/>
-        </p:nvSpPr>
-        <p:spPr>
-          <a:xfrm>
-            <a:off x="7712397" y="3533171"/>
-            <a:ext cx="708186" cy="285783"/>
-          </a:xfrm>
-          <a:prstGeom prst="rect">
-            <a:avLst/>
-          </a:prstGeom>
-          <a:ln w="19050">
-            <a:solidFill>
-              <a:srgbClr val="7030A0"/>
-            </a:solidFill>
-          </a:ln>
-          <a:effectLst/>
-        </p:spPr>
-        <p:style>
-          <a:lnRef idx="1">
-            <a:schemeClr val="accent4"/>
-          </a:lnRef>
-          <a:fillRef idx="2">
-            <a:schemeClr val="accent4"/>
-          </a:fillRef>
-          <a:effectRef idx="1">
-            <a:schemeClr val="accent4"/>
-          </a:effectRef>
-          <a:fontRef idx="minor">
-            <a:schemeClr val="dk1"/>
-          </a:fontRef>
-        </p:style>
-        <p:txBody>
-          <a:bodyPr rtlCol="0" anchor="ctr"/>
-          <a:lstStyle/>
-          <a:p>
-            <a:pPr algn="ctr"/>
-            <a:r>
-              <a:rPr lang="en-US" sz="1050" dirty="0">
-                <a:solidFill>
-                  <a:srgbClr val="7030A0"/>
-                </a:solidFill>
-              </a:rPr>
-              <a:t>Address</a:t>
-            </a:r>
-            <a:endParaRPr lang="en-SG" sz="1050" dirty="0">
-              <a:solidFill>
-                <a:srgbClr val="7030A0"/>
-              </a:solidFill>
-            </a:endParaRPr>
-          </a:p>
-        </p:txBody>
-      </p:sp>
-      <p:cxnSp>
-        <p:nvCxnSpPr>
-          <p:cNvPr id="86" name="Elbow Connector 85"/>
-          <p:cNvCxnSpPr>
-            <a:stCxn id="78" idx="3"/>
-            <a:endCxn id="85" idx="1"/>
-          </p:cNvCxnSpPr>
-          <p:nvPr/>
-        </p:nvCxnSpPr>
-        <p:spPr>
-          <a:xfrm>
-            <a:off x="7277995" y="3034891"/>
-            <a:ext cx="434402" cy="641172"/>
           </a:xfrm>
           <a:prstGeom prst="bentConnector3">
             <a:avLst/>
@@ -4926,12 +4829,12 @@
               </a:rPr>
             </a:br>
             <a:r>
-              <a:rPr lang="en-US" sz="1050" dirty="0" err="1">
+              <a:rPr lang="en-US" sz="1000" dirty="0" err="1">
                 <a:solidFill>
                   <a:srgbClr val="7030A0"/>
                 </a:solidFill>
               </a:rPr>
-              <a:t>ReadOnlyAddressBook</a:t>
+              <a:t>ReadOnlyFashionMatch</a:t>
             </a:r>
             <a:endParaRPr lang="en-SG" sz="1050" dirty="0">
               <a:solidFill>
@@ -5290,20 +5193,14 @@
       </p:sp>
       <p:sp>
         <p:nvSpPr>
-          <p:cNvPr id="52" name="Rectangle 8">
-            <a:extLst>
-              <a:ext uri="{FF2B5EF4-FFF2-40B4-BE49-F238E27FC236}">
-                <a16:creationId xmlns:a16="http://schemas.microsoft.com/office/drawing/2014/main" id="{ABDCDBD2-131A-4B66-A2F2-43BBEE82C773}"/>
-              </a:ext>
-            </a:extLst>
-          </p:cNvPr>
+          <p:cNvPr id="55" name="Rectangle 8"/>
           <p:cNvSpPr/>
           <p:nvPr/>
         </p:nvSpPr>
         <p:spPr>
           <a:xfrm>
-            <a:off x="7712397" y="2228817"/>
-            <a:ext cx="708186" cy="285783"/>
+            <a:off x="3170181" y="1998350"/>
+            <a:ext cx="1060683" cy="364396"/>
           </a:xfrm>
           <a:prstGeom prst="rect">
             <a:avLst/>
@@ -5335,163 +5232,12 @@
           <a:p>
             <a:pPr algn="ctr"/>
             <a:r>
-              <a:rPr lang="en-US" sz="1050" dirty="0">
-                <a:solidFill>
-                  <a:srgbClr val="7030A0"/>
-                </a:solidFill>
-              </a:rPr>
-              <a:t>Tag</a:t>
-            </a:r>
-            <a:endParaRPr lang="en-SG" sz="1050" dirty="0">
-              <a:solidFill>
-                <a:srgbClr val="7030A0"/>
-              </a:solidFill>
-            </a:endParaRPr>
-          </a:p>
-        </p:txBody>
-      </p:sp>
-      <p:cxnSp>
-        <p:nvCxnSpPr>
-          <p:cNvPr id="53" name="Elbow Connector 78">
-            <a:extLst>
-              <a:ext uri="{FF2B5EF4-FFF2-40B4-BE49-F238E27FC236}">
-                <a16:creationId xmlns:a16="http://schemas.microsoft.com/office/drawing/2014/main" id="{B97967F8-618A-448B-81FD-CDFD4AF0EC64}"/>
-              </a:ext>
-            </a:extLst>
-          </p:cNvPr>
-          <p:cNvCxnSpPr>
-            <a:cxnSpLocks/>
-            <a:stCxn id="78" idx="3"/>
-            <a:endCxn id="52" idx="1"/>
-          </p:cNvCxnSpPr>
-          <p:nvPr/>
-        </p:nvCxnSpPr>
-        <p:spPr>
-          <a:xfrm flipV="1">
-            <a:off x="7277995" y="2371709"/>
-            <a:ext cx="434402" cy="663182"/>
-          </a:xfrm>
-          <a:prstGeom prst="bentConnector3">
-            <a:avLst>
-              <a:gd name="adj1" fmla="val 50000"/>
-            </a:avLst>
-          </a:prstGeom>
-          <a:ln w="19050">
-            <a:solidFill>
-              <a:srgbClr val="7030A0"/>
-            </a:solidFill>
-            <a:headEnd type="none" w="med" len="med"/>
-            <a:tailEnd type="arrow" w="med" len="med"/>
-          </a:ln>
-          <a:effectLst/>
-        </p:spPr>
-        <p:style>
-          <a:lnRef idx="1">
-            <a:schemeClr val="accent2"/>
-          </a:lnRef>
-          <a:fillRef idx="2">
-            <a:schemeClr val="accent2"/>
-          </a:fillRef>
-          <a:effectRef idx="1">
-            <a:schemeClr val="accent2"/>
-          </a:effectRef>
-          <a:fontRef idx="minor">
-            <a:schemeClr val="dk1"/>
-          </a:fontRef>
-        </p:style>
-      </p:cxnSp>
-      <p:sp>
-        <p:nvSpPr>
-          <p:cNvPr id="50" name="TextBox 49">
-            <a:extLst>
-              <a:ext uri="{FF2B5EF4-FFF2-40B4-BE49-F238E27FC236}">
-                <a16:creationId xmlns:a16="http://schemas.microsoft.com/office/drawing/2014/main" id="{B3FA9D57-880F-49C4-AD0B-A64E30D6F403}"/>
-              </a:ext>
-            </a:extLst>
-          </p:cNvPr>
-          <p:cNvSpPr txBox="1"/>
-          <p:nvPr/>
-        </p:nvSpPr>
-        <p:spPr>
-          <a:xfrm>
-            <a:off x="7466243" y="2255711"/>
-            <a:ext cx="189257" cy="178683"/>
-          </a:xfrm>
-          <a:prstGeom prst="rect">
-            <a:avLst/>
-          </a:prstGeom>
-          <a:noFill/>
-        </p:spPr>
-        <p:txBody>
-          <a:bodyPr wrap="square" lIns="0" tIns="0" rIns="0" bIns="0" rtlCol="0">
-            <a:noAutofit/>
-          </a:bodyPr>
-          <a:lstStyle/>
-          <a:p>
-            <a:pPr algn="ctr"/>
-            <a:r>
-              <a:rPr lang="en-US" sz="1100" dirty="0">
-                <a:solidFill>
-                  <a:srgbClr val="7030A0"/>
-                </a:solidFill>
-              </a:rPr>
-              <a:t>*</a:t>
-            </a:r>
-            <a:endParaRPr lang="en-SG" sz="1100" dirty="0">
-              <a:solidFill>
-                <a:srgbClr val="7030A0"/>
-              </a:solidFill>
-            </a:endParaRPr>
-          </a:p>
-        </p:txBody>
-      </p:sp>
-      <p:sp>
-        <p:nvSpPr>
-          <p:cNvPr id="55" name="Rectangle 8"/>
-          <p:cNvSpPr/>
-          <p:nvPr/>
-        </p:nvSpPr>
-        <p:spPr>
-          <a:xfrm>
-            <a:off x="3170181" y="1998350"/>
-            <a:ext cx="1060683" cy="364396"/>
-          </a:xfrm>
-          <a:prstGeom prst="rect">
-            <a:avLst/>
-          </a:prstGeom>
-          <a:ln w="19050">
-            <a:solidFill>
-              <a:srgbClr val="7030A0"/>
-            </a:solidFill>
-          </a:ln>
-          <a:effectLst/>
-        </p:spPr>
-        <p:style>
-          <a:lnRef idx="1">
-            <a:schemeClr val="accent4"/>
-          </a:lnRef>
-          <a:fillRef idx="2">
-            <a:schemeClr val="accent4"/>
-          </a:fillRef>
-          <a:effectRef idx="1">
-            <a:schemeClr val="accent4"/>
-          </a:effectRef>
-          <a:fontRef idx="minor">
-            <a:schemeClr val="dk1"/>
-          </a:fontRef>
-        </p:style>
-        <p:txBody>
-          <a:bodyPr rtlCol="0" anchor="ctr"/>
-          <a:lstStyle/>
-          <a:p>
-            <a:pPr algn="ctr"/>
-            <a:r>
               <a:rPr lang="en-US" sz="1050" dirty="0" err="1">
                 <a:solidFill>
                   <a:srgbClr val="7030A0"/>
                 </a:solidFill>
               </a:rPr>
-              <a:t>AddressBook</a:t>
+              <a:t>FashionMatch</a:t>
             </a:r>
             <a:endParaRPr lang="en-SG" sz="1050" dirty="0">
               <a:solidFill>

--- a/docs/diagrams/ModelComponentClassDiagram.pptx
+++ b/docs/diagrams/ModelComponentClassDiagram.pptx
@@ -4541,6 +4541,7 @@
         <p:nvCxnSpPr>
           <p:cNvPr id="81" name="Elbow Connector 80"/>
           <p:cNvCxnSpPr>
+            <a:cxnSpLocks/>
             <a:stCxn id="78" idx="3"/>
             <a:endCxn id="80" idx="1"/>
           </p:cNvCxnSpPr>
@@ -5563,6 +5564,261 @@
           </a:effectRef>
           <a:fontRef idx="minor">
             <a:schemeClr val="dk1"/>
+          </a:fontRef>
+        </p:style>
+      </p:cxnSp>
+      <p:sp>
+        <p:nvSpPr>
+          <p:cNvPr id="50" name="Rectangle 8">
+            <a:extLst>
+              <a:ext uri="{FF2B5EF4-FFF2-40B4-BE49-F238E27FC236}">
+                <a16:creationId xmlns:a16="http://schemas.microsoft.com/office/drawing/2014/main" id="{5D363679-39F3-4ED6-8C84-E4258FA5EC68}"/>
+              </a:ext>
+            </a:extLst>
+          </p:cNvPr>
+          <p:cNvSpPr/>
+          <p:nvPr/>
+        </p:nvSpPr>
+        <p:spPr>
+          <a:xfrm>
+            <a:off x="7710064" y="3877462"/>
+            <a:ext cx="708186" cy="285783"/>
+          </a:xfrm>
+          <a:prstGeom prst="rect">
+            <a:avLst/>
+          </a:prstGeom>
+          <a:ln w="19050">
+            <a:solidFill>
+              <a:srgbClr val="7030A0"/>
+            </a:solidFill>
+          </a:ln>
+          <a:effectLst/>
+        </p:spPr>
+        <p:style>
+          <a:lnRef idx="1">
+            <a:schemeClr val="accent4"/>
+          </a:lnRef>
+          <a:fillRef idx="2">
+            <a:schemeClr val="accent4"/>
+          </a:fillRef>
+          <a:effectRef idx="1">
+            <a:schemeClr val="accent4"/>
+          </a:effectRef>
+          <a:fontRef idx="minor">
+            <a:schemeClr val="dk1"/>
+          </a:fontRef>
+        </p:style>
+        <p:txBody>
+          <a:bodyPr rtlCol="0" anchor="ctr"/>
+          <a:lstStyle/>
+          <a:p>
+            <a:pPr algn="ctr"/>
+            <a:r>
+              <a:rPr lang="en-US" sz="1050" dirty="0">
+                <a:solidFill>
+                  <a:srgbClr val="7030A0"/>
+                </a:solidFill>
+              </a:rPr>
+              <a:t>Usage</a:t>
+            </a:r>
+          </a:p>
+          <a:p>
+            <a:pPr algn="ctr"/>
+            <a:r>
+              <a:rPr lang="en-US" sz="1050" dirty="0">
+                <a:solidFill>
+                  <a:srgbClr val="7030A0"/>
+                </a:solidFill>
+              </a:rPr>
+              <a:t>Count</a:t>
+            </a:r>
+            <a:endParaRPr lang="en-SG" sz="1050" dirty="0">
+              <a:solidFill>
+                <a:srgbClr val="7030A0"/>
+              </a:solidFill>
+            </a:endParaRPr>
+          </a:p>
+        </p:txBody>
+      </p:sp>
+      <p:sp>
+        <p:nvSpPr>
+          <p:cNvPr id="52" name="Rectangle 8">
+            <a:extLst>
+              <a:ext uri="{FF2B5EF4-FFF2-40B4-BE49-F238E27FC236}">
+                <a16:creationId xmlns:a16="http://schemas.microsoft.com/office/drawing/2014/main" id="{7F8AD27D-3A37-4EDA-8AB8-9FE5D6C0A835}"/>
+              </a:ext>
+            </a:extLst>
+          </p:cNvPr>
+          <p:cNvSpPr/>
+          <p:nvPr/>
+        </p:nvSpPr>
+        <p:spPr>
+          <a:xfrm>
+            <a:off x="7715617" y="3538623"/>
+            <a:ext cx="708186" cy="285783"/>
+          </a:xfrm>
+          <a:prstGeom prst="rect">
+            <a:avLst/>
+          </a:prstGeom>
+          <a:ln w="19050">
+            <a:solidFill>
+              <a:srgbClr val="7030A0"/>
+            </a:solidFill>
+          </a:ln>
+          <a:effectLst/>
+        </p:spPr>
+        <p:style>
+          <a:lnRef idx="1">
+            <a:schemeClr val="accent4"/>
+          </a:lnRef>
+          <a:fillRef idx="2">
+            <a:schemeClr val="accent4"/>
+          </a:fillRef>
+          <a:effectRef idx="1">
+            <a:schemeClr val="accent4"/>
+          </a:effectRef>
+          <a:fontRef idx="minor">
+            <a:schemeClr val="dk1"/>
+          </a:fontRef>
+        </p:style>
+        <p:txBody>
+          <a:bodyPr rtlCol="0" anchor="ctr"/>
+          <a:lstStyle/>
+          <a:p>
+            <a:pPr algn="ctr"/>
+            <a:r>
+              <a:rPr lang="en-US" sz="1050" dirty="0">
+                <a:solidFill>
+                  <a:srgbClr val="7030A0"/>
+                </a:solidFill>
+              </a:rPr>
+              <a:t>Status</a:t>
+            </a:r>
+            <a:endParaRPr lang="en-SG" sz="1050" dirty="0">
+              <a:solidFill>
+                <a:srgbClr val="7030A0"/>
+              </a:solidFill>
+            </a:endParaRPr>
+          </a:p>
+        </p:txBody>
+      </p:sp>
+      <p:cxnSp>
+        <p:nvCxnSpPr>
+          <p:cNvPr id="22" name="Straight Connector 21">
+            <a:extLst>
+              <a:ext uri="{FF2B5EF4-FFF2-40B4-BE49-F238E27FC236}">
+                <a16:creationId xmlns:a16="http://schemas.microsoft.com/office/drawing/2014/main" id="{76D8AC14-14C4-46B4-B893-C50CCC920F41}"/>
+              </a:ext>
+            </a:extLst>
+          </p:cNvPr>
+          <p:cNvCxnSpPr>
+            <a:cxnSpLocks/>
+          </p:cNvCxnSpPr>
+          <p:nvPr/>
+        </p:nvCxnSpPr>
+        <p:spPr>
+          <a:xfrm>
+            <a:off x="7495196" y="3353085"/>
+            <a:ext cx="0" cy="667268"/>
+          </a:xfrm>
+          <a:prstGeom prst="line">
+            <a:avLst/>
+          </a:prstGeom>
+        </p:spPr>
+        <p:style>
+          <a:lnRef idx="1">
+            <a:schemeClr val="accent1"/>
+          </a:lnRef>
+          <a:fillRef idx="0">
+            <a:schemeClr val="accent1"/>
+          </a:fillRef>
+          <a:effectRef idx="0">
+            <a:schemeClr val="accent1"/>
+          </a:effectRef>
+          <a:fontRef idx="minor">
+            <a:schemeClr val="tx1"/>
+          </a:fontRef>
+        </p:style>
+      </p:cxnSp>
+      <p:cxnSp>
+        <p:nvCxnSpPr>
+          <p:cNvPr id="24" name="Straight Arrow Connector 23">
+            <a:extLst>
+              <a:ext uri="{FF2B5EF4-FFF2-40B4-BE49-F238E27FC236}">
+                <a16:creationId xmlns:a16="http://schemas.microsoft.com/office/drawing/2014/main" id="{25658329-45EE-4271-B65E-577B7481758B}"/>
+              </a:ext>
+            </a:extLst>
+          </p:cNvPr>
+          <p:cNvCxnSpPr>
+            <a:endCxn id="52" idx="1"/>
+          </p:cNvCxnSpPr>
+          <p:nvPr/>
+        </p:nvCxnSpPr>
+        <p:spPr>
+          <a:xfrm>
+            <a:off x="7495196" y="3681514"/>
+            <a:ext cx="220421" cy="1"/>
+          </a:xfrm>
+          <a:prstGeom prst="straightConnector1">
+            <a:avLst/>
+          </a:prstGeom>
+          <a:ln>
+            <a:tailEnd type="triangle"/>
+          </a:ln>
+        </p:spPr>
+        <p:style>
+          <a:lnRef idx="1">
+            <a:schemeClr val="accent1"/>
+          </a:lnRef>
+          <a:fillRef idx="0">
+            <a:schemeClr val="accent1"/>
+          </a:fillRef>
+          <a:effectRef idx="0">
+            <a:schemeClr val="accent1"/>
+          </a:effectRef>
+          <a:fontRef idx="minor">
+            <a:schemeClr val="tx1"/>
+          </a:fontRef>
+        </p:style>
+      </p:cxnSp>
+      <p:cxnSp>
+        <p:nvCxnSpPr>
+          <p:cNvPr id="29" name="Straight Arrow Connector 28">
+            <a:extLst>
+              <a:ext uri="{FF2B5EF4-FFF2-40B4-BE49-F238E27FC236}">
+                <a16:creationId xmlns:a16="http://schemas.microsoft.com/office/drawing/2014/main" id="{BCD79067-9C7B-4DAA-A934-6B748A985DE6}"/>
+              </a:ext>
+            </a:extLst>
+          </p:cNvPr>
+          <p:cNvCxnSpPr>
+            <a:endCxn id="50" idx="1"/>
+          </p:cNvCxnSpPr>
+          <p:nvPr/>
+        </p:nvCxnSpPr>
+        <p:spPr>
+          <a:xfrm>
+            <a:off x="7495196" y="4020353"/>
+            <a:ext cx="214868" cy="1"/>
+          </a:xfrm>
+          <a:prstGeom prst="straightConnector1">
+            <a:avLst/>
+          </a:prstGeom>
+          <a:ln>
+            <a:tailEnd type="triangle"/>
+          </a:ln>
+        </p:spPr>
+        <p:style>
+          <a:lnRef idx="1">
+            <a:schemeClr val="accent1"/>
+          </a:lnRef>
+          <a:fillRef idx="0">
+            <a:schemeClr val="accent1"/>
+          </a:fillRef>
+          <a:effectRef idx="0">
+            <a:schemeClr val="accent1"/>
+          </a:effectRef>
+          <a:fontRef idx="minor">
+            <a:schemeClr val="tx1"/>
           </a:fontRef>
         </p:style>
       </p:cxnSp>
